--- a/slides/03-js-functions.pptx
+++ b/slides/03-js-functions.pptx
@@ -174,614 +174,6 @@
 </p1510:revInfo>
 </file>
 
-<file path=ppt/changesInfos/changesInfo1.xml><?xml version="1.0" encoding="utf-8"?>
-<pc:chgInfo xmlns:a="http://schemas.openxmlformats.org/drawingml/2006/main" xmlns:r="http://schemas.openxmlformats.org/officeDocument/2006/relationships" xmlns:ac="http://schemas.microsoft.com/office/drawing/2013/main/command" xmlns:pc="http://schemas.microsoft.com/office/powerpoint/2013/main/command">
-  <pc:docChgLst>
-    <pc:chgData name="Iryna Samakhavets" userId="9c3389a2-2eec-47b9-9265-8354a2c6e60c" providerId="ADAL" clId="{CA169F45-5589-4D02-B933-EE3D29406E05}"/>
-    <pc:docChg chg="custSel modMainMaster">
-      <pc:chgData name="Iryna Samakhavets" userId="9c3389a2-2eec-47b9-9265-8354a2c6e60c" providerId="ADAL" clId="{CA169F45-5589-4D02-B933-EE3D29406E05}" dt="2021-04-09T09:53:46.459" v="1" actId="478"/>
-      <pc:docMkLst>
-        <pc:docMk/>
-      </pc:docMkLst>
-      <pc:sldMasterChg chg="modSldLayout">
-        <pc:chgData name="Iryna Samakhavets" userId="9c3389a2-2eec-47b9-9265-8354a2c6e60c" providerId="ADAL" clId="{CA169F45-5589-4D02-B933-EE3D29406E05}" dt="2021-04-09T09:53:46.459" v="1" actId="478"/>
-        <pc:sldMasterMkLst>
-          <pc:docMk/>
-          <pc:sldMasterMk cId="6025338" sldId="2147483717"/>
-        </pc:sldMasterMkLst>
-        <pc:sldLayoutChg chg="delSp mod">
-          <pc:chgData name="Iryna Samakhavets" userId="9c3389a2-2eec-47b9-9265-8354a2c6e60c" providerId="ADAL" clId="{CA169F45-5589-4D02-B933-EE3D29406E05}" dt="2021-04-09T09:53:44.615" v="0" actId="478"/>
-          <pc:sldLayoutMkLst>
-            <pc:docMk/>
-            <pc:sldMasterMk cId="6025338" sldId="2147483717"/>
-            <pc:sldLayoutMk cId="854095972" sldId="2147483744"/>
-          </pc:sldLayoutMkLst>
-          <pc:picChg chg="del">
-            <ac:chgData name="Iryna Samakhavets" userId="9c3389a2-2eec-47b9-9265-8354a2c6e60c" providerId="ADAL" clId="{CA169F45-5589-4D02-B933-EE3D29406E05}" dt="2021-04-09T09:53:44.615" v="0" actId="478"/>
-            <ac:picMkLst>
-              <pc:docMk/>
-              <pc:sldMasterMk cId="6025338" sldId="2147483717"/>
-              <pc:sldLayoutMk cId="854095972" sldId="2147483744"/>
-              <ac:picMk id="8" creationId="{16CBFE6D-2574-4431-9DE8-59662CACBA43}"/>
-            </ac:picMkLst>
-          </pc:picChg>
-        </pc:sldLayoutChg>
-        <pc:sldLayoutChg chg="delSp mod">
-          <pc:chgData name="Iryna Samakhavets" userId="9c3389a2-2eec-47b9-9265-8354a2c6e60c" providerId="ADAL" clId="{CA169F45-5589-4D02-B933-EE3D29406E05}" dt="2021-04-09T09:53:46.459" v="1" actId="478"/>
-          <pc:sldLayoutMkLst>
-            <pc:docMk/>
-            <pc:sldMasterMk cId="6025338" sldId="2147483717"/>
-            <pc:sldLayoutMk cId="96996155" sldId="2147483762"/>
-          </pc:sldLayoutMkLst>
-          <pc:picChg chg="del">
-            <ac:chgData name="Iryna Samakhavets" userId="9c3389a2-2eec-47b9-9265-8354a2c6e60c" providerId="ADAL" clId="{CA169F45-5589-4D02-B933-EE3D29406E05}" dt="2021-04-09T09:53:46.459" v="1" actId="478"/>
-            <ac:picMkLst>
-              <pc:docMk/>
-              <pc:sldMasterMk cId="6025338" sldId="2147483717"/>
-              <pc:sldLayoutMk cId="96996155" sldId="2147483762"/>
-              <ac:picMk id="8" creationId="{16CBFE6D-2574-4431-9DE8-59662CACBA43}"/>
-            </ac:picMkLst>
-          </pc:picChg>
-        </pc:sldLayoutChg>
-      </pc:sldMasterChg>
-    </pc:docChg>
-  </pc:docChgLst>
-  <pc:docChgLst>
-    <pc:chgData name="Palina Vilava" userId="2da16f30-436a-4d99-a599-a4b0cba3622b" providerId="ADAL" clId="{29E84A5E-7045-7349-8EB9-E37DA956361E}"/>
-    <pc:docChg chg="undo custSel addSld delSld modSld modMainMaster">
-      <pc:chgData name="Palina Vilava" userId="2da16f30-436a-4d99-a599-a4b0cba3622b" providerId="ADAL" clId="{29E84A5E-7045-7349-8EB9-E37DA956361E}" dt="2021-04-09T11:00:09.995" v="236" actId="403"/>
-      <pc:docMkLst>
-        <pc:docMk/>
-      </pc:docMkLst>
-      <pc:sldChg chg="addSp delSp modSp mod chgLayout">
-        <pc:chgData name="Palina Vilava" userId="2da16f30-436a-4d99-a599-a4b0cba3622b" providerId="ADAL" clId="{29E84A5E-7045-7349-8EB9-E37DA956361E}" dt="2021-04-09T11:00:09.995" v="236" actId="403"/>
-        <pc:sldMkLst>
-          <pc:docMk/>
-          <pc:sldMk cId="3591971344" sldId="256"/>
-        </pc:sldMkLst>
-        <pc:spChg chg="add mod ord">
-          <ac:chgData name="Palina Vilava" userId="2da16f30-436a-4d99-a599-a4b0cba3622b" providerId="ADAL" clId="{29E84A5E-7045-7349-8EB9-E37DA956361E}" dt="2021-04-09T11:00:09.995" v="236" actId="403"/>
-          <ac:spMkLst>
-            <pc:docMk/>
-            <pc:sldMk cId="3591971344" sldId="256"/>
-            <ac:spMk id="2" creationId="{CA3BB777-E3A7-3349-B820-C2E473EC54E8}"/>
-          </ac:spMkLst>
-        </pc:spChg>
-        <pc:spChg chg="add mod ord">
-          <ac:chgData name="Palina Vilava" userId="2da16f30-436a-4d99-a599-a4b0cba3622b" providerId="ADAL" clId="{29E84A5E-7045-7349-8EB9-E37DA956361E}" dt="2021-04-09T10:59:51.416" v="230" actId="20577"/>
-          <ac:spMkLst>
-            <pc:docMk/>
-            <pc:sldMk cId="3591971344" sldId="256"/>
-            <ac:spMk id="3" creationId="{887DE665-95EF-7C44-9386-81441B656B3A}"/>
-          </ac:spMkLst>
-        </pc:spChg>
-        <pc:spChg chg="add mod ord">
-          <ac:chgData name="Palina Vilava" userId="2da16f30-436a-4d99-a599-a4b0cba3622b" providerId="ADAL" clId="{29E84A5E-7045-7349-8EB9-E37DA956361E}" dt="2021-04-09T10:59:54.667" v="234" actId="20577"/>
-          <ac:spMkLst>
-            <pc:docMk/>
-            <pc:sldMk cId="3591971344" sldId="256"/>
-            <ac:spMk id="4" creationId="{022A8A66-7877-3B41-B6B6-945CAC5423E0}"/>
-          </ac:spMkLst>
-        </pc:spChg>
-        <pc:spChg chg="del">
-          <ac:chgData name="Palina Vilava" userId="2da16f30-436a-4d99-a599-a4b0cba3622b" providerId="ADAL" clId="{29E84A5E-7045-7349-8EB9-E37DA956361E}" dt="2021-04-07T11:56:23.391" v="114" actId="700"/>
-          <ac:spMkLst>
-            <pc:docMk/>
-            <pc:sldMk cId="3591971344" sldId="256"/>
-            <ac:spMk id="5" creationId="{37E5DFE9-0BB9-46C0-95F0-4076A0680178}"/>
-          </ac:spMkLst>
-        </pc:spChg>
-        <pc:spChg chg="del">
-          <ac:chgData name="Palina Vilava" userId="2da16f30-436a-4d99-a599-a4b0cba3622b" providerId="ADAL" clId="{29E84A5E-7045-7349-8EB9-E37DA956361E}" dt="2021-04-07T11:56:23.391" v="114" actId="700"/>
-          <ac:spMkLst>
-            <pc:docMk/>
-            <pc:sldMk cId="3591971344" sldId="256"/>
-            <ac:spMk id="6" creationId="{F358BC15-9AFA-4B24-AD57-0B9FD9B03BC8}"/>
-          </ac:spMkLst>
-        </pc:spChg>
-        <pc:spChg chg="del">
-          <ac:chgData name="Palina Vilava" userId="2da16f30-436a-4d99-a599-a4b0cba3622b" providerId="ADAL" clId="{29E84A5E-7045-7349-8EB9-E37DA956361E}" dt="2021-04-07T11:56:23.391" v="114" actId="700"/>
-          <ac:spMkLst>
-            <pc:docMk/>
-            <pc:sldMk cId="3591971344" sldId="256"/>
-            <ac:spMk id="7" creationId="{2F97B039-F4FF-4D6E-A30E-8B9B8C8C3D02}"/>
-          </ac:spMkLst>
-        </pc:spChg>
-      </pc:sldChg>
-      <pc:sldChg chg="addSp delSp modSp new del mod">
-        <pc:chgData name="Palina Vilava" userId="2da16f30-436a-4d99-a599-a4b0cba3622b" providerId="ADAL" clId="{29E84A5E-7045-7349-8EB9-E37DA956361E}" dt="2021-04-07T11:57:43.844" v="197" actId="2696"/>
-        <pc:sldMkLst>
-          <pc:docMk/>
-          <pc:sldMk cId="3000497978" sldId="257"/>
-        </pc:sldMkLst>
-        <pc:spChg chg="add del mod">
-          <ac:chgData name="Palina Vilava" userId="2da16f30-436a-4d99-a599-a4b0cba3622b" providerId="ADAL" clId="{29E84A5E-7045-7349-8EB9-E37DA956361E}" dt="2021-04-07T11:57:13.622" v="183" actId="478"/>
-          <ac:spMkLst>
-            <pc:docMk/>
-            <pc:sldMk cId="3000497978" sldId="257"/>
-            <ac:spMk id="4" creationId="{E581BADC-09C4-A145-AF18-841F80A0068B}"/>
-          </ac:spMkLst>
-        </pc:spChg>
-        <pc:spChg chg="add del mod">
-          <ac:chgData name="Palina Vilava" userId="2da16f30-436a-4d99-a599-a4b0cba3622b" providerId="ADAL" clId="{29E84A5E-7045-7349-8EB9-E37DA956361E}" dt="2021-04-07T11:57:41.971" v="196" actId="478"/>
-          <ac:spMkLst>
-            <pc:docMk/>
-            <pc:sldMk cId="3000497978" sldId="257"/>
-            <ac:spMk id="5" creationId="{3BBFD6EB-8286-D94F-8D9D-A8E930B765CB}"/>
-          </ac:spMkLst>
-        </pc:spChg>
-      </pc:sldChg>
-      <pc:sldMasterChg chg="modSp mod addSldLayout modSldLayout">
-        <pc:chgData name="Palina Vilava" userId="2da16f30-436a-4d99-a599-a4b0cba3622b" providerId="ADAL" clId="{29E84A5E-7045-7349-8EB9-E37DA956361E}" dt="2021-04-07T12:17:51.959" v="199" actId="6014"/>
-        <pc:sldMasterMkLst>
-          <pc:docMk/>
-          <pc:sldMasterMk cId="6025338" sldId="2147483717"/>
-        </pc:sldMasterMkLst>
-        <pc:sldLayoutChg chg="mod">
-          <pc:chgData name="Palina Vilava" userId="2da16f30-436a-4d99-a599-a4b0cba3622b" providerId="ADAL" clId="{29E84A5E-7045-7349-8EB9-E37DA956361E}" dt="2021-04-07T11:47:20.872" v="45" actId="6014"/>
-          <pc:sldLayoutMkLst>
-            <pc:docMk/>
-            <pc:sldMasterMk cId="6025338" sldId="2147483717"/>
-            <pc:sldLayoutMk cId="802160967" sldId="2147483732"/>
-          </pc:sldLayoutMkLst>
-        </pc:sldLayoutChg>
-        <pc:sldLayoutChg chg="mod">
-          <pc:chgData name="Palina Vilava" userId="2da16f30-436a-4d99-a599-a4b0cba3622b" providerId="ADAL" clId="{29E84A5E-7045-7349-8EB9-E37DA956361E}" dt="2021-04-07T11:44:05.286" v="34" actId="6014"/>
-          <pc:sldLayoutMkLst>
-            <pc:docMk/>
-            <pc:sldMasterMk cId="6025338" sldId="2147483717"/>
-            <pc:sldLayoutMk cId="1641687614" sldId="2147483734"/>
-          </pc:sldLayoutMkLst>
-        </pc:sldLayoutChg>
-        <pc:sldLayoutChg chg="mod">
-          <pc:chgData name="Palina Vilava" userId="2da16f30-436a-4d99-a599-a4b0cba3622b" providerId="ADAL" clId="{29E84A5E-7045-7349-8EB9-E37DA956361E}" dt="2021-04-07T11:45:35.959" v="37" actId="6014"/>
-          <pc:sldLayoutMkLst>
-            <pc:docMk/>
-            <pc:sldMasterMk cId="6025338" sldId="2147483717"/>
-            <pc:sldLayoutMk cId="98546723" sldId="2147483735"/>
-          </pc:sldLayoutMkLst>
-        </pc:sldLayoutChg>
-        <pc:sldLayoutChg chg="mod">
-          <pc:chgData name="Palina Vilava" userId="2da16f30-436a-4d99-a599-a4b0cba3622b" providerId="ADAL" clId="{29E84A5E-7045-7349-8EB9-E37DA956361E}" dt="2021-04-07T11:41:55.585" v="26" actId="6014"/>
-          <pc:sldLayoutMkLst>
-            <pc:docMk/>
-            <pc:sldMasterMk cId="6025338" sldId="2147483717"/>
-            <pc:sldLayoutMk cId="3692294782" sldId="2147483736"/>
-          </pc:sldLayoutMkLst>
-        </pc:sldLayoutChg>
-        <pc:sldLayoutChg chg="mod">
-          <pc:chgData name="Palina Vilava" userId="2da16f30-436a-4d99-a599-a4b0cba3622b" providerId="ADAL" clId="{29E84A5E-7045-7349-8EB9-E37DA956361E}" dt="2021-04-07T11:45:46.641" v="38" actId="6014"/>
-          <pc:sldLayoutMkLst>
-            <pc:docMk/>
-            <pc:sldMasterMk cId="6025338" sldId="2147483717"/>
-            <pc:sldLayoutMk cId="821494556" sldId="2147483737"/>
-          </pc:sldLayoutMkLst>
-        </pc:sldLayoutChg>
-        <pc:sldLayoutChg chg="mod">
-          <pc:chgData name="Palina Vilava" userId="2da16f30-436a-4d99-a599-a4b0cba3622b" providerId="ADAL" clId="{29E84A5E-7045-7349-8EB9-E37DA956361E}" dt="2021-04-07T11:41:42.357" v="25" actId="6014"/>
-          <pc:sldLayoutMkLst>
-            <pc:docMk/>
-            <pc:sldMasterMk cId="6025338" sldId="2147483717"/>
-            <pc:sldLayoutMk cId="3661082933" sldId="2147483738"/>
-          </pc:sldLayoutMkLst>
-        </pc:sldLayoutChg>
-        <pc:sldLayoutChg chg="modSp mod">
-          <pc:chgData name="Palina Vilava" userId="2da16f30-436a-4d99-a599-a4b0cba3622b" providerId="ADAL" clId="{29E84A5E-7045-7349-8EB9-E37DA956361E}" dt="2021-04-07T11:46:00.419" v="39" actId="6014"/>
-          <pc:sldLayoutMkLst>
-            <pc:docMk/>
-            <pc:sldMasterMk cId="6025338" sldId="2147483717"/>
-            <pc:sldLayoutMk cId="3576920143" sldId="2147483739"/>
-          </pc:sldLayoutMkLst>
-          <pc:spChg chg="mod">
-            <ac:chgData name="Palina Vilava" userId="2da16f30-436a-4d99-a599-a4b0cba3622b" providerId="ADAL" clId="{29E84A5E-7045-7349-8EB9-E37DA956361E}" dt="2021-04-07T11:40:40.885" v="23" actId="14100"/>
-            <ac:spMkLst>
-              <pc:docMk/>
-              <pc:sldMasterMk cId="6025338" sldId="2147483717"/>
-              <pc:sldLayoutMk cId="3576920143" sldId="2147483739"/>
-              <ac:spMk id="2" creationId="{263D721A-127A-4DBE-B738-ABA4893319BC}"/>
-            </ac:spMkLst>
-          </pc:spChg>
-        </pc:sldLayoutChg>
-        <pc:sldLayoutChg chg="addSp delSp modSp mod">
-          <pc:chgData name="Palina Vilava" userId="2da16f30-436a-4d99-a599-a4b0cba3622b" providerId="ADAL" clId="{29E84A5E-7045-7349-8EB9-E37DA956361E}" dt="2021-04-07T11:41:32.307" v="24" actId="6014"/>
-          <pc:sldLayoutMkLst>
-            <pc:docMk/>
-            <pc:sldMasterMk cId="6025338" sldId="2147483717"/>
-            <pc:sldLayoutMk cId="2923105718" sldId="2147483740"/>
-          </pc:sldLayoutMkLst>
-          <pc:spChg chg="mod">
-            <ac:chgData name="Palina Vilava" userId="2da16f30-436a-4d99-a599-a4b0cba3622b" providerId="ADAL" clId="{29E84A5E-7045-7349-8EB9-E37DA956361E}" dt="2021-04-07T11:38:42.608" v="17" actId="14100"/>
-            <ac:spMkLst>
-              <pc:docMk/>
-              <pc:sldMasterMk cId="6025338" sldId="2147483717"/>
-              <pc:sldLayoutMk cId="2923105718" sldId="2147483740"/>
-              <ac:spMk id="2" creationId="{263D721A-127A-4DBE-B738-ABA4893319BC}"/>
-            </ac:spMkLst>
-          </pc:spChg>
-          <pc:spChg chg="del">
-            <ac:chgData name="Palina Vilava" userId="2da16f30-436a-4d99-a599-a4b0cba3622b" providerId="ADAL" clId="{29E84A5E-7045-7349-8EB9-E37DA956361E}" dt="2021-04-07T11:38:31.075" v="14" actId="478"/>
-            <ac:spMkLst>
-              <pc:docMk/>
-              <pc:sldMasterMk cId="6025338" sldId="2147483717"/>
-              <pc:sldLayoutMk cId="2923105718" sldId="2147483740"/>
-              <ac:spMk id="8" creationId="{10D45F08-25E9-4235-B1BA-50ED19539CA6}"/>
-            </ac:spMkLst>
-          </pc:spChg>
-          <pc:spChg chg="add mod">
-            <ac:chgData name="Palina Vilava" userId="2da16f30-436a-4d99-a599-a4b0cba3622b" providerId="ADAL" clId="{29E84A5E-7045-7349-8EB9-E37DA956361E}" dt="2021-04-07T11:38:34.413" v="16" actId="14100"/>
-            <ac:spMkLst>
-              <pc:docMk/>
-              <pc:sldMasterMk cId="6025338" sldId="2147483717"/>
-              <pc:sldLayoutMk cId="2923105718" sldId="2147483740"/>
-              <ac:spMk id="9" creationId="{46C1CA1B-2E41-DA49-A688-13BC117567D0}"/>
-            </ac:spMkLst>
-          </pc:spChg>
-          <pc:spChg chg="add del mod">
-            <ac:chgData name="Palina Vilava" userId="2da16f30-436a-4d99-a599-a4b0cba3622b" providerId="ADAL" clId="{29E84A5E-7045-7349-8EB9-E37DA956361E}" dt="2021-04-07T11:38:49.677" v="21" actId="478"/>
-            <ac:spMkLst>
-              <pc:docMk/>
-              <pc:sldMasterMk cId="6025338" sldId="2147483717"/>
-              <pc:sldLayoutMk cId="2923105718" sldId="2147483740"/>
-              <ac:spMk id="12" creationId="{BA5F1F02-3435-2C43-AE85-39F4D3B5ECB8}"/>
-            </ac:spMkLst>
-          </pc:spChg>
-        </pc:sldLayoutChg>
-        <pc:sldLayoutChg chg="mod">
-          <pc:chgData name="Palina Vilava" userId="2da16f30-436a-4d99-a599-a4b0cba3622b" providerId="ADAL" clId="{29E84A5E-7045-7349-8EB9-E37DA956361E}" dt="2021-04-07T11:45:28.812" v="36" actId="6014"/>
-          <pc:sldLayoutMkLst>
-            <pc:docMk/>
-            <pc:sldMasterMk cId="6025338" sldId="2147483717"/>
-            <pc:sldLayoutMk cId="2700087433" sldId="2147483741"/>
-          </pc:sldLayoutMkLst>
-        </pc:sldLayoutChg>
-        <pc:sldLayoutChg chg="mod">
-          <pc:chgData name="Palina Vilava" userId="2da16f30-436a-4d99-a599-a4b0cba3622b" providerId="ADAL" clId="{29E84A5E-7045-7349-8EB9-E37DA956361E}" dt="2021-04-07T11:46:24.279" v="40" actId="6014"/>
-          <pc:sldLayoutMkLst>
-            <pc:docMk/>
-            <pc:sldMasterMk cId="6025338" sldId="2147483717"/>
-            <pc:sldLayoutMk cId="1202495231" sldId="2147483742"/>
-          </pc:sldLayoutMkLst>
-        </pc:sldLayoutChg>
-        <pc:sldLayoutChg chg="mod">
-          <pc:chgData name="Palina Vilava" userId="2da16f30-436a-4d99-a599-a4b0cba3622b" providerId="ADAL" clId="{29E84A5E-7045-7349-8EB9-E37DA956361E}" dt="2021-04-07T11:43:36.884" v="32" actId="6014"/>
-          <pc:sldLayoutMkLst>
-            <pc:docMk/>
-            <pc:sldMasterMk cId="6025338" sldId="2147483717"/>
-            <pc:sldLayoutMk cId="3075079838" sldId="2147483743"/>
-          </pc:sldLayoutMkLst>
-        </pc:sldLayoutChg>
-        <pc:sldLayoutChg chg="mod">
-          <pc:chgData name="Palina Vilava" userId="2da16f30-436a-4d99-a599-a4b0cba3622b" providerId="ADAL" clId="{29E84A5E-7045-7349-8EB9-E37DA956361E}" dt="2021-04-07T11:42:52.238" v="30" actId="6014"/>
-          <pc:sldLayoutMkLst>
-            <pc:docMk/>
-            <pc:sldMasterMk cId="6025338" sldId="2147483717"/>
-            <pc:sldLayoutMk cId="854095972" sldId="2147483744"/>
-          </pc:sldLayoutMkLst>
-        </pc:sldLayoutChg>
-        <pc:sldLayoutChg chg="mod">
-          <pc:chgData name="Palina Vilava" userId="2da16f30-436a-4d99-a599-a4b0cba3622b" providerId="ADAL" clId="{29E84A5E-7045-7349-8EB9-E37DA956361E}" dt="2021-04-07T11:45:02.058" v="35" actId="6014"/>
-          <pc:sldLayoutMkLst>
-            <pc:docMk/>
-            <pc:sldMasterMk cId="6025338" sldId="2147483717"/>
-            <pc:sldLayoutMk cId="607523831" sldId="2147483745"/>
-          </pc:sldLayoutMkLst>
-        </pc:sldLayoutChg>
-        <pc:sldLayoutChg chg="mod">
-          <pc:chgData name="Palina Vilava" userId="2da16f30-436a-4d99-a599-a4b0cba3622b" providerId="ADAL" clId="{29E84A5E-7045-7349-8EB9-E37DA956361E}" dt="2021-04-07T11:46:42.567" v="41" actId="6014"/>
-          <pc:sldLayoutMkLst>
-            <pc:docMk/>
-            <pc:sldMasterMk cId="6025338" sldId="2147483717"/>
-            <pc:sldLayoutMk cId="21247453" sldId="2147483746"/>
-          </pc:sldLayoutMkLst>
-        </pc:sldLayoutChg>
-        <pc:sldLayoutChg chg="mod">
-          <pc:chgData name="Palina Vilava" userId="2da16f30-436a-4d99-a599-a4b0cba3622b" providerId="ADAL" clId="{29E84A5E-7045-7349-8EB9-E37DA956361E}" dt="2021-04-07T11:47:06.191" v="43" actId="6014"/>
-          <pc:sldLayoutMkLst>
-            <pc:docMk/>
-            <pc:sldMasterMk cId="6025338" sldId="2147483717"/>
-            <pc:sldLayoutMk cId="1088340687" sldId="2147483747"/>
-          </pc:sldLayoutMkLst>
-        </pc:sldLayoutChg>
-        <pc:sldLayoutChg chg="mod">
-          <pc:chgData name="Palina Vilava" userId="2da16f30-436a-4d99-a599-a4b0cba3622b" providerId="ADAL" clId="{29E84A5E-7045-7349-8EB9-E37DA956361E}" dt="2021-04-07T11:47:14.156" v="44" actId="6014"/>
-          <pc:sldLayoutMkLst>
-            <pc:docMk/>
-            <pc:sldMasterMk cId="6025338" sldId="2147483717"/>
-            <pc:sldLayoutMk cId="2713037627" sldId="2147483748"/>
-          </pc:sldLayoutMkLst>
-        </pc:sldLayoutChg>
-        <pc:sldLayoutChg chg="mod">
-          <pc:chgData name="Palina Vilava" userId="2da16f30-436a-4d99-a599-a4b0cba3622b" providerId="ADAL" clId="{29E84A5E-7045-7349-8EB9-E37DA956361E}" dt="2021-04-07T11:47:25.664" v="46" actId="6014"/>
-          <pc:sldLayoutMkLst>
-            <pc:docMk/>
-            <pc:sldMasterMk cId="6025338" sldId="2147483717"/>
-            <pc:sldLayoutMk cId="363397111" sldId="2147483749"/>
-          </pc:sldLayoutMkLst>
-        </pc:sldLayoutChg>
-        <pc:sldLayoutChg chg="mod">
-          <pc:chgData name="Palina Vilava" userId="2da16f30-436a-4d99-a599-a4b0cba3622b" providerId="ADAL" clId="{29E84A5E-7045-7349-8EB9-E37DA956361E}" dt="2021-04-07T11:43:15.176" v="31" actId="6014"/>
-          <pc:sldLayoutMkLst>
-            <pc:docMk/>
-            <pc:sldMasterMk cId="6025338" sldId="2147483717"/>
-            <pc:sldLayoutMk cId="4024236537" sldId="2147483755"/>
-          </pc:sldLayoutMkLst>
-        </pc:sldLayoutChg>
-        <pc:sldLayoutChg chg="mod">
-          <pc:chgData name="Palina Vilava" userId="2da16f30-436a-4d99-a599-a4b0cba3622b" providerId="ADAL" clId="{29E84A5E-7045-7349-8EB9-E37DA956361E}" dt="2021-04-07T11:43:53.573" v="33" actId="6014"/>
-          <pc:sldLayoutMkLst>
-            <pc:docMk/>
-            <pc:sldMasterMk cId="6025338" sldId="2147483717"/>
-            <pc:sldLayoutMk cId="2197146" sldId="2147483756"/>
-          </pc:sldLayoutMkLst>
-        </pc:sldLayoutChg>
-        <pc:sldLayoutChg chg="mod">
-          <pc:chgData name="Palina Vilava" userId="2da16f30-436a-4d99-a599-a4b0cba3622b" providerId="ADAL" clId="{29E84A5E-7045-7349-8EB9-E37DA956361E}" dt="2021-04-07T11:42:42.275" v="29" actId="6014"/>
-          <pc:sldLayoutMkLst>
-            <pc:docMk/>
-            <pc:sldMasterMk cId="6025338" sldId="2147483717"/>
-            <pc:sldLayoutMk cId="96996155" sldId="2147483762"/>
-          </pc:sldLayoutMkLst>
-        </pc:sldLayoutChg>
-        <pc:sldLayoutChg chg="addSp delSp modSp add mod modTransition">
-          <pc:chgData name="Palina Vilava" userId="2da16f30-436a-4d99-a599-a4b0cba3622b" providerId="ADAL" clId="{29E84A5E-7045-7349-8EB9-E37DA956361E}" dt="2021-04-07T11:48:55.966" v="71" actId="1036"/>
-          <pc:sldLayoutMkLst>
-            <pc:docMk/>
-            <pc:sldMasterMk cId="6025338" sldId="2147483717"/>
-            <pc:sldLayoutMk cId="951812729" sldId="2147483763"/>
-          </pc:sldLayoutMkLst>
-          <pc:spChg chg="mod">
-            <ac:chgData name="Palina Vilava" userId="2da16f30-436a-4d99-a599-a4b0cba3622b" providerId="ADAL" clId="{29E84A5E-7045-7349-8EB9-E37DA956361E}" dt="2021-04-07T11:48:29.909" v="50" actId="1076"/>
-            <ac:spMkLst>
-              <pc:docMk/>
-              <pc:sldMasterMk cId="6025338" sldId="2147483717"/>
-              <pc:sldLayoutMk cId="951812729" sldId="2147483763"/>
-              <ac:spMk id="2" creationId="{072D1CE3-09AB-4B8F-B4EA-802DA1F8168A}"/>
-            </ac:spMkLst>
-          </pc:spChg>
-          <pc:spChg chg="mod">
-            <ac:chgData name="Palina Vilava" userId="2da16f30-436a-4d99-a599-a4b0cba3622b" providerId="ADAL" clId="{29E84A5E-7045-7349-8EB9-E37DA956361E}" dt="2021-04-07T11:48:47.200" v="55" actId="14100"/>
-            <ac:spMkLst>
-              <pc:docMk/>
-              <pc:sldMasterMk cId="6025338" sldId="2147483717"/>
-              <pc:sldLayoutMk cId="951812729" sldId="2147483763"/>
-              <ac:spMk id="3" creationId="{BDF03CD9-50C7-44B7-B928-FC1A6F91398C}"/>
-            </ac:spMkLst>
-          </pc:spChg>
-          <pc:spChg chg="mod">
-            <ac:chgData name="Palina Vilava" userId="2da16f30-436a-4d99-a599-a4b0cba3622b" providerId="ADAL" clId="{29E84A5E-7045-7349-8EB9-E37DA956361E}" dt="2021-04-07T11:48:55.966" v="71" actId="1036"/>
-            <ac:spMkLst>
-              <pc:docMk/>
-              <pc:sldMasterMk cId="6025338" sldId="2147483717"/>
-              <pc:sldLayoutMk cId="951812729" sldId="2147483763"/>
-              <ac:spMk id="6" creationId="{1633460F-F216-4161-81D4-61770D44485A}"/>
-            </ac:spMkLst>
-          </pc:spChg>
-          <pc:spChg chg="mod">
-            <ac:chgData name="Palina Vilava" userId="2da16f30-436a-4d99-a599-a4b0cba3622b" providerId="ADAL" clId="{29E84A5E-7045-7349-8EB9-E37DA956361E}" dt="2021-04-07T11:48:55.966" v="71" actId="1036"/>
-            <ac:spMkLst>
-              <pc:docMk/>
-              <pc:sldMasterMk cId="6025338" sldId="2147483717"/>
-              <pc:sldLayoutMk cId="951812729" sldId="2147483763"/>
-              <ac:spMk id="9" creationId="{183A137D-51C1-42BD-8E6A-5A17CA8E69F1}"/>
-            </ac:spMkLst>
-          </pc:spChg>
-          <pc:spChg chg="mod">
-            <ac:chgData name="Palina Vilava" userId="2da16f30-436a-4d99-a599-a4b0cba3622b" providerId="ADAL" clId="{29E84A5E-7045-7349-8EB9-E37DA956361E}" dt="2021-04-07T11:48:55.966" v="71" actId="1036"/>
-            <ac:spMkLst>
-              <pc:docMk/>
-              <pc:sldMasterMk cId="6025338" sldId="2147483717"/>
-              <pc:sldLayoutMk cId="951812729" sldId="2147483763"/>
-              <ac:spMk id="10" creationId="{788F9D7D-61B7-4023-A90A-331ABB6016CE}"/>
-            </ac:spMkLst>
-          </pc:spChg>
-          <pc:spChg chg="mod">
-            <ac:chgData name="Palina Vilava" userId="2da16f30-436a-4d99-a599-a4b0cba3622b" providerId="ADAL" clId="{29E84A5E-7045-7349-8EB9-E37DA956361E}" dt="2021-04-07T11:48:55.966" v="71" actId="1036"/>
-            <ac:spMkLst>
-              <pc:docMk/>
-              <pc:sldMasterMk cId="6025338" sldId="2147483717"/>
-              <pc:sldLayoutMk cId="951812729" sldId="2147483763"/>
-              <ac:spMk id="11" creationId="{B5F31C29-0270-444C-AB5B-F5F8275A4E72}"/>
-            </ac:spMkLst>
-          </pc:spChg>
-          <pc:spChg chg="mod">
-            <ac:chgData name="Palina Vilava" userId="2da16f30-436a-4d99-a599-a4b0cba3622b" providerId="ADAL" clId="{29E84A5E-7045-7349-8EB9-E37DA956361E}" dt="2021-04-07T11:48:55.966" v="71" actId="1036"/>
-            <ac:spMkLst>
-              <pc:docMk/>
-              <pc:sldMasterMk cId="6025338" sldId="2147483717"/>
-              <pc:sldLayoutMk cId="951812729" sldId="2147483763"/>
-              <ac:spMk id="12" creationId="{0B6A5DF8-022B-46A9-9257-DAA098142E51}"/>
-            </ac:spMkLst>
-          </pc:spChg>
-          <pc:spChg chg="mod">
-            <ac:chgData name="Palina Vilava" userId="2da16f30-436a-4d99-a599-a4b0cba3622b" providerId="ADAL" clId="{29E84A5E-7045-7349-8EB9-E37DA956361E}" dt="2021-04-07T11:48:55.966" v="71" actId="1036"/>
-            <ac:spMkLst>
-              <pc:docMk/>
-              <pc:sldMasterMk cId="6025338" sldId="2147483717"/>
-              <pc:sldLayoutMk cId="951812729" sldId="2147483763"/>
-              <ac:spMk id="13" creationId="{7CF17201-04E3-48ED-9077-B42ECD88DB79}"/>
-            </ac:spMkLst>
-          </pc:spChg>
-          <pc:spChg chg="add mod">
-            <ac:chgData name="Palina Vilava" userId="2da16f30-436a-4d99-a599-a4b0cba3622b" providerId="ADAL" clId="{29E84A5E-7045-7349-8EB9-E37DA956361E}" dt="2021-04-07T11:48:43.733" v="54"/>
-            <ac:spMkLst>
-              <pc:docMk/>
-              <pc:sldMasterMk cId="6025338" sldId="2147483717"/>
-              <pc:sldLayoutMk cId="951812729" sldId="2147483763"/>
-              <ac:spMk id="14" creationId="{D26DCF78-A14C-7743-94BB-7E13C2AD8622}"/>
-            </ac:spMkLst>
-          </pc:spChg>
-          <pc:cxnChg chg="del">
-            <ac:chgData name="Palina Vilava" userId="2da16f30-436a-4d99-a599-a4b0cba3622b" providerId="ADAL" clId="{29E84A5E-7045-7349-8EB9-E37DA956361E}" dt="2021-04-07T11:48:43.048" v="53" actId="478"/>
-            <ac:cxnSpMkLst>
-              <pc:docMk/>
-              <pc:sldMasterMk cId="6025338" sldId="2147483717"/>
-              <pc:sldLayoutMk cId="951812729" sldId="2147483763"/>
-              <ac:cxnSpMk id="15" creationId="{654B6A1A-ED6A-490A-AA56-15684042F07D}"/>
-            </ac:cxnSpMkLst>
-          </pc:cxnChg>
-        </pc:sldLayoutChg>
-        <pc:sldLayoutChg chg="addSp delSp modSp new mod setBg">
-          <pc:chgData name="Palina Vilava" userId="2da16f30-436a-4d99-a599-a4b0cba3622b" providerId="ADAL" clId="{29E84A5E-7045-7349-8EB9-E37DA956361E}" dt="2021-04-07T11:54:21.629" v="112" actId="208"/>
-          <pc:sldLayoutMkLst>
-            <pc:docMk/>
-            <pc:sldMasterMk cId="6025338" sldId="2147483717"/>
-            <pc:sldLayoutMk cId="1550210797" sldId="2147483764"/>
-          </pc:sldLayoutMkLst>
-          <pc:spChg chg="del">
-            <ac:chgData name="Palina Vilava" userId="2da16f30-436a-4d99-a599-a4b0cba3622b" providerId="ADAL" clId="{29E84A5E-7045-7349-8EB9-E37DA956361E}" dt="2021-04-07T11:51:09.962" v="74" actId="478"/>
-            <ac:spMkLst>
-              <pc:docMk/>
-              <pc:sldMasterMk cId="6025338" sldId="2147483717"/>
-              <pc:sldLayoutMk cId="1550210797" sldId="2147483764"/>
-              <ac:spMk id="2" creationId="{E5B9B13E-8BAF-BF4C-BD87-150C944FB29D}"/>
-            </ac:spMkLst>
-          </pc:spChg>
-          <pc:spChg chg="add mod">
-            <ac:chgData name="Palina Vilava" userId="2da16f30-436a-4d99-a599-a4b0cba3622b" providerId="ADAL" clId="{29E84A5E-7045-7349-8EB9-E37DA956361E}" dt="2021-04-07T11:52:58.437" v="106" actId="1076"/>
-            <ac:spMkLst>
-              <pc:docMk/>
-              <pc:sldMasterMk cId="6025338" sldId="2147483717"/>
-              <pc:sldLayoutMk cId="1550210797" sldId="2147483764"/>
-              <ac:spMk id="4" creationId="{952A47A2-EF74-7B4A-948B-354D8CBA8096}"/>
-            </ac:spMkLst>
-          </pc:spChg>
-          <pc:spChg chg="add mod">
-            <ac:chgData name="Palina Vilava" userId="2da16f30-436a-4d99-a599-a4b0cba3622b" providerId="ADAL" clId="{29E84A5E-7045-7349-8EB9-E37DA956361E}" dt="2021-04-07T11:54:21.629" v="112" actId="208"/>
-            <ac:spMkLst>
-              <pc:docMk/>
-              <pc:sldMasterMk cId="6025338" sldId="2147483717"/>
-              <pc:sldLayoutMk cId="1550210797" sldId="2147483764"/>
-              <ac:spMk id="5" creationId="{5C14BDE5-32F5-E643-A4FF-D09A52DA71E1}"/>
-            </ac:spMkLst>
-          </pc:spChg>
-          <pc:spChg chg="add mod">
-            <ac:chgData name="Palina Vilava" userId="2da16f30-436a-4d99-a599-a4b0cba3622b" providerId="ADAL" clId="{29E84A5E-7045-7349-8EB9-E37DA956361E}" dt="2021-04-07T11:52:44.434" v="99" actId="1076"/>
-            <ac:spMkLst>
-              <pc:docMk/>
-              <pc:sldMasterMk cId="6025338" sldId="2147483717"/>
-              <pc:sldLayoutMk cId="1550210797" sldId="2147483764"/>
-              <ac:spMk id="6" creationId="{B01F7317-9450-7F4E-8CF4-A6FAE6DBDD15}"/>
-            </ac:spMkLst>
-          </pc:spChg>
-          <pc:spChg chg="add del mod">
-            <ac:chgData name="Palina Vilava" userId="2da16f30-436a-4d99-a599-a4b0cba3622b" providerId="ADAL" clId="{29E84A5E-7045-7349-8EB9-E37DA956361E}" dt="2021-04-07T11:54:11.801" v="110" actId="478"/>
-            <ac:spMkLst>
-              <pc:docMk/>
-              <pc:sldMasterMk cId="6025338" sldId="2147483717"/>
-              <pc:sldLayoutMk cId="1550210797" sldId="2147483764"/>
-              <ac:spMk id="7" creationId="{2FDF0298-E8CF-A643-8536-B75D08B36C93}"/>
-            </ac:spMkLst>
-          </pc:spChg>
-          <pc:spChg chg="add del mod">
-            <ac:chgData name="Palina Vilava" userId="2da16f30-436a-4d99-a599-a4b0cba3622b" providerId="ADAL" clId="{29E84A5E-7045-7349-8EB9-E37DA956361E}" dt="2021-04-07T11:54:11.801" v="110" actId="478"/>
-            <ac:spMkLst>
-              <pc:docMk/>
-              <pc:sldMasterMk cId="6025338" sldId="2147483717"/>
-              <pc:sldLayoutMk cId="1550210797" sldId="2147483764"/>
-              <ac:spMk id="8" creationId="{629CB466-9388-1645-92DD-67229A4AFD12}"/>
-            </ac:spMkLst>
-          </pc:spChg>
-          <pc:picChg chg="add mod">
-            <ac:chgData name="Palina Vilava" userId="2da16f30-436a-4d99-a599-a4b0cba3622b" providerId="ADAL" clId="{29E84A5E-7045-7349-8EB9-E37DA956361E}" dt="2021-04-07T11:52:56.796" v="105" actId="1076"/>
-            <ac:picMkLst>
-              <pc:docMk/>
-              <pc:sldMasterMk cId="6025338" sldId="2147483717"/>
-              <pc:sldLayoutMk cId="1550210797" sldId="2147483764"/>
-              <ac:picMk id="3" creationId="{631137FB-F149-DD41-B765-24A58A85DED8}"/>
-            </ac:picMkLst>
-          </pc:picChg>
-        </pc:sldLayoutChg>
-      </pc:sldMasterChg>
-      <pc:sldMasterChg chg="modSldLayout">
-        <pc:chgData name="Palina Vilava" userId="2da16f30-436a-4d99-a599-a4b0cba3622b" providerId="ADAL" clId="{29E84A5E-7045-7349-8EB9-E37DA956361E}" dt="2021-04-07T11:36:11.132" v="13"/>
-        <pc:sldMasterMkLst>
-          <pc:docMk/>
-          <pc:sldMasterMk cId="6025338" sldId="2147483763"/>
-        </pc:sldMasterMkLst>
-        <pc:sldLayoutChg chg="addSp delSp modSp mod">
-          <pc:chgData name="Palina Vilava" userId="2da16f30-436a-4d99-a599-a4b0cba3622b" providerId="ADAL" clId="{29E84A5E-7045-7349-8EB9-E37DA956361E}" dt="2021-04-07T11:35:40.398" v="9" actId="1038"/>
-          <pc:sldLayoutMkLst>
-            <pc:docMk/>
-            <pc:sldMasterMk cId="6025338" sldId="2147483717"/>
-            <pc:sldLayoutMk cId="3493115450" sldId="2147483764"/>
-          </pc:sldLayoutMkLst>
-          <pc:spChg chg="add mod">
-            <ac:chgData name="Palina Vilava" userId="2da16f30-436a-4d99-a599-a4b0cba3622b" providerId="ADAL" clId="{29E84A5E-7045-7349-8EB9-E37DA956361E}" dt="2021-04-07T11:35:40.398" v="9" actId="1038"/>
-            <ac:spMkLst>
-              <pc:docMk/>
-              <pc:sldMasterMk cId="6025338" sldId="2147483717"/>
-              <pc:sldLayoutMk cId="3493115450" sldId="2147483764"/>
-              <ac:spMk id="3" creationId="{81FA7817-3B6C-3F4A-B7B9-1C24248B02A6}"/>
-            </ac:spMkLst>
-          </pc:spChg>
-          <pc:spChg chg="del mod">
-            <ac:chgData name="Palina Vilava" userId="2da16f30-436a-4d99-a599-a4b0cba3622b" providerId="ADAL" clId="{29E84A5E-7045-7349-8EB9-E37DA956361E}" dt="2021-04-07T11:35:25.313" v="4" actId="478"/>
-            <ac:spMkLst>
-              <pc:docMk/>
-              <pc:sldMasterMk cId="6025338" sldId="2147483717"/>
-              <pc:sldLayoutMk cId="3493115450" sldId="2147483764"/>
-              <ac:spMk id="5" creationId="{A2159C2A-0FC8-422F-92E4-B92935AAE5A0}"/>
-            </ac:spMkLst>
-          </pc:spChg>
-        </pc:sldLayoutChg>
-        <pc:sldLayoutChg chg="addSp delSp modSp mod">
-          <pc:chgData name="Palina Vilava" userId="2da16f30-436a-4d99-a599-a4b0cba3622b" providerId="ADAL" clId="{29E84A5E-7045-7349-8EB9-E37DA956361E}" dt="2021-04-07T11:36:05.324" v="11"/>
-          <pc:sldLayoutMkLst>
-            <pc:docMk/>
-            <pc:sldMasterMk cId="6025338" sldId="2147483717"/>
-            <pc:sldLayoutMk cId="3812010030" sldId="2147483765"/>
-          </pc:sldLayoutMkLst>
-          <pc:spChg chg="add mod">
-            <ac:chgData name="Palina Vilava" userId="2da16f30-436a-4d99-a599-a4b0cba3622b" providerId="ADAL" clId="{29E84A5E-7045-7349-8EB9-E37DA956361E}" dt="2021-04-07T11:36:05.324" v="11"/>
-            <ac:spMkLst>
-              <pc:docMk/>
-              <pc:sldMasterMk cId="6025338" sldId="2147483717"/>
-              <pc:sldLayoutMk cId="3812010030" sldId="2147483765"/>
-              <ac:spMk id="8" creationId="{FB842CEE-8A53-0D42-A72B-7D63B1ED35C4}"/>
-            </ac:spMkLst>
-          </pc:spChg>
-          <pc:spChg chg="del">
-            <ac:chgData name="Palina Vilava" userId="2da16f30-436a-4d99-a599-a4b0cba3622b" providerId="ADAL" clId="{29E84A5E-7045-7349-8EB9-E37DA956361E}" dt="2021-04-07T11:36:04.744" v="10" actId="478"/>
-            <ac:spMkLst>
-              <pc:docMk/>
-              <pc:sldMasterMk cId="6025338" sldId="2147483717"/>
-              <pc:sldLayoutMk cId="3812010030" sldId="2147483765"/>
-              <ac:spMk id="10" creationId="{D3506A5C-D398-4F6C-BA3C-D23DAEA64409}"/>
-            </ac:spMkLst>
-          </pc:spChg>
-        </pc:sldLayoutChg>
-        <pc:sldLayoutChg chg="addSp delSp modSp mod">
-          <pc:chgData name="Palina Vilava" userId="2da16f30-436a-4d99-a599-a4b0cba3622b" providerId="ADAL" clId="{29E84A5E-7045-7349-8EB9-E37DA956361E}" dt="2021-04-07T11:36:11.132" v="13"/>
-          <pc:sldLayoutMkLst>
-            <pc:docMk/>
-            <pc:sldMasterMk cId="6025338" sldId="2147483717"/>
-            <pc:sldLayoutMk cId="2065613061" sldId="2147483766"/>
-          </pc:sldLayoutMkLst>
-          <pc:spChg chg="del">
-            <ac:chgData name="Palina Vilava" userId="2da16f30-436a-4d99-a599-a4b0cba3622b" providerId="ADAL" clId="{29E84A5E-7045-7349-8EB9-E37DA956361E}" dt="2021-04-07T11:36:10.559" v="12" actId="478"/>
-            <ac:spMkLst>
-              <pc:docMk/>
-              <pc:sldMasterMk cId="6025338" sldId="2147483717"/>
-              <pc:sldLayoutMk cId="2065613061" sldId="2147483766"/>
-              <ac:spMk id="5" creationId="{A2159C2A-0FC8-422F-92E4-B92935AAE5A0}"/>
-            </ac:spMkLst>
-          </pc:spChg>
-          <pc:spChg chg="add mod">
-            <ac:chgData name="Palina Vilava" userId="2da16f30-436a-4d99-a599-a4b0cba3622b" providerId="ADAL" clId="{29E84A5E-7045-7349-8EB9-E37DA956361E}" dt="2021-04-07T11:36:11.132" v="13"/>
-            <ac:spMkLst>
-              <pc:docMk/>
-              <pc:sldMasterMk cId="6025338" sldId="2147483717"/>
-              <pc:sldLayoutMk cId="2065613061" sldId="2147483766"/>
-              <ac:spMk id="7" creationId="{D6769452-030B-5548-B575-999D639F6D22}"/>
-            </ac:spMkLst>
-          </pc:spChg>
-        </pc:sldLayoutChg>
-      </pc:sldMasterChg>
-    </pc:docChg>
-  </pc:docChgLst>
-</pc:chgInfo>
-</file>
-
 <file path=ppt/notesMasters/notesMaster1.xml><?xml version="1.0" encoding="utf-8"?>
 <p:notesMaster xmlns:a="http://schemas.openxmlformats.org/drawingml/2006/main" xmlns:r="http://schemas.openxmlformats.org/officeDocument/2006/relationships" xmlns:p="http://schemas.openxmlformats.org/presentationml/2006/main">
   <p:cSld>
@@ -864,7 +256,7 @@
           <a:p>
             <a:fld id="{126DA449-81D0-4C65-80FA-E84926361CC3}" type="datetimeFigureOut">
               <a:rPr lang="en-US" smtClean="0"/>
-              <a:t>3/1/2024</a:t>
+              <a:t>2/29/2024</a:t>
             </a:fld>
             <a:endParaRPr lang="en-US"/>
           </a:p>
@@ -28182,7 +27574,27 @@
                 <a:effectLst/>
                 <a:latin typeface="Consolas" panose="020B0609020204030204" pitchFamily="49" charset="0"/>
               </a:rPr>
-              <a:t>// A generator function – infinite sequence</a:t>
+              <a:t>// A generator </a:t>
+            </a:r>
+            <a:r>
+              <a:rPr lang="en-US" b="0">
+                <a:solidFill>
+                  <a:srgbClr val="6A9955"/>
+                </a:solidFill>
+                <a:effectLst/>
+                <a:latin typeface="Consolas" panose="020B0609020204030204" pitchFamily="49" charset="0"/>
+              </a:rPr>
+              <a:t>function – </a:t>
+            </a:r>
+            <a:r>
+              <a:rPr lang="en-US" b="0" dirty="0">
+                <a:solidFill>
+                  <a:srgbClr val="6A9955"/>
+                </a:solidFill>
+                <a:effectLst/>
+                <a:latin typeface="Consolas" panose="020B0609020204030204" pitchFamily="49" charset="0"/>
+              </a:rPr>
+              <a:t>infinite sequence</a:t>
             </a:r>
           </a:p>
           <a:p>
@@ -36641,7 +36053,7 @@
                 <a:effectLst/>
                 <a:latin typeface="Consolas" panose="020B0609020204030204" pitchFamily="49" charset="0"/>
               </a:rPr>
-              <a:t>2 === 0;</a:t>
+              <a:t>2 === 0</a:t>
             </a:r>
           </a:p>
           <a:p>
@@ -41187,7 +40599,7 @@
           <a:p>
             <a:pPr marL="857250" lvl="1" indent="-171450"/>
             <a:r>
-              <a:rPr lang="en-US" dirty="0">
+              <a:rPr lang="en-US" dirty="0" err="1">
                 <a:solidFill>
                   <a:srgbClr val="569CD6"/>
                 </a:solidFill>
@@ -41304,13 +40716,49 @@
           <a:p>
             <a:pPr marL="857250" lvl="1" indent="-171450"/>
             <a:r>
+              <a:rPr lang="en-US" dirty="0" err="1">
+                <a:solidFill>
+                  <a:srgbClr val="569CD6"/>
+                </a:solidFill>
+                <a:latin typeface="Consolas" panose="020B0609020204030204" pitchFamily="49" charset="0"/>
+              </a:rPr>
+              <a:t>const</a:t>
+            </a:r>
+            <a:r>
               <a:rPr lang="en-US" dirty="0">
                 <a:solidFill>
+                  <a:srgbClr val="D4D4D4"/>
+                </a:solidFill>
+                <a:latin typeface="Consolas" panose="020B0609020204030204" pitchFamily="49" charset="0"/>
+              </a:rPr>
+              <a:t> </a:t>
+            </a:r>
+            <a:r>
+              <a:rPr lang="en-US" dirty="0" err="1">
+                <a:solidFill>
+                  <a:srgbClr val="DCDCAA"/>
+                </a:solidFill>
+                <a:latin typeface="Consolas" panose="020B0609020204030204" pitchFamily="49" charset="0"/>
+              </a:rPr>
+              <a:t>myFunction</a:t>
+            </a:r>
+            <a:r>
+              <a:rPr lang="en-US" dirty="0">
+                <a:solidFill>
+                  <a:srgbClr val="D4D4D4"/>
+                </a:solidFill>
+                <a:latin typeface="Consolas" panose="020B0609020204030204" pitchFamily="49" charset="0"/>
+              </a:rPr>
+              <a:t> = () </a:t>
+            </a:r>
+            <a:r>
+              <a:rPr lang="en-US" dirty="0">
+                <a:solidFill>
                   <a:srgbClr val="569CD6"/>
                 </a:solidFill>
                 <a:latin typeface="Consolas" panose="020B0609020204030204" pitchFamily="49" charset="0"/>
               </a:rPr>
-              <a:t>const</a:t>
+              <a:t>=&gt;</a:t>
             </a:r>
             <a:r>
               <a:rPr lang="en-US" dirty="0">
@@ -41319,16 +40767,16 @@
                 </a:solidFill>
                 <a:latin typeface="Consolas" panose="020B0609020204030204" pitchFamily="49" charset="0"/>
               </a:rPr>
-              <a:t> </a:t>
-            </a:r>
-            <a:r>
-              <a:rPr lang="en-US" dirty="0" err="1">
-                <a:solidFill>
-                  <a:srgbClr val="DCDCAA"/>
-                </a:solidFill>
-                <a:latin typeface="Consolas" panose="020B0609020204030204" pitchFamily="49" charset="0"/>
-              </a:rPr>
-              <a:t>myFunction</a:t>
+              <a:t> {</a:t>
+            </a:r>
+            <a:r>
+              <a:rPr lang="hu-HU" dirty="0">
+                <a:solidFill>
+                  <a:srgbClr val="D4D4D4"/>
+                </a:solidFill>
+                <a:latin typeface="Consolas" panose="020B0609020204030204" pitchFamily="49" charset="0"/>
+              </a:rPr>
+              <a:t>...</a:t>
             </a:r>
             <a:r>
               <a:rPr lang="en-US" dirty="0">
@@ -41337,118 +40785,34 @@
                 </a:solidFill>
                 <a:latin typeface="Consolas" panose="020B0609020204030204" pitchFamily="49" charset="0"/>
               </a:rPr>
-              <a:t> = () </a:t>
-            </a:r>
-            <a:r>
-              <a:rPr lang="en-US" dirty="0">
-                <a:solidFill>
-                  <a:srgbClr val="569CD6"/>
-                </a:solidFill>
-                <a:latin typeface="Consolas" panose="020B0609020204030204" pitchFamily="49" charset="0"/>
-              </a:rPr>
-              <a:t>=&gt;</a:t>
-            </a:r>
-            <a:r>
-              <a:rPr lang="en-US" dirty="0">
+              <a:t>};</a:t>
+            </a:r>
+            <a:r>
+              <a:rPr lang="hu-HU" dirty="0">
                 <a:solidFill>
                   <a:srgbClr val="D4D4D4"/>
                 </a:solidFill>
                 <a:latin typeface="Consolas" panose="020B0609020204030204" pitchFamily="49" charset="0"/>
               </a:rPr>
-              <a:t> {</a:t>
+              <a:t> </a:t>
             </a:r>
             <a:r>
               <a:rPr lang="hu-HU" dirty="0">
                 <a:solidFill>
-                  <a:srgbClr val="D4D4D4"/>
-                </a:solidFill>
-                <a:latin typeface="Consolas" panose="020B0609020204030204" pitchFamily="49" charset="0"/>
-              </a:rPr>
-              <a:t>...</a:t>
-            </a:r>
-            <a:r>
-              <a:rPr lang="en-US" dirty="0">
-                <a:solidFill>
-                  <a:srgbClr val="D4D4D4"/>
-                </a:solidFill>
-                <a:latin typeface="Consolas" panose="020B0609020204030204" pitchFamily="49" charset="0"/>
-              </a:rPr>
-              <a:t>};</a:t>
-            </a:r>
-            <a:r>
-              <a:rPr lang="hu-HU" dirty="0">
-                <a:solidFill>
-                  <a:srgbClr val="D4D4D4"/>
-                </a:solidFill>
-                <a:latin typeface="Consolas" panose="020B0609020204030204" pitchFamily="49" charset="0"/>
-              </a:rPr>
-              <a:t> </a:t>
-            </a:r>
-            <a:r>
-              <a:rPr lang="hu-HU" dirty="0">
-                <a:solidFill>
                   <a:srgbClr val="BAD49C"/>
                 </a:solidFill>
                 <a:latin typeface="Consolas" panose="020B0609020204030204" pitchFamily="49" charset="0"/>
               </a:rPr>
-              <a:t>// arrow</a:t>
-            </a:r>
-          </a:p>
-          <a:p>
-            <a:pPr marL="857250" lvl="1" indent="-171450"/>
-            <a:r>
-              <a:rPr lang="hu-HU" dirty="0">
-                <a:solidFill>
-                  <a:srgbClr val="D4D4D4"/>
-                </a:solidFill>
-                <a:latin typeface="Consolas" panose="020B0609020204030204" pitchFamily="49" charset="0"/>
-              </a:rPr>
-              <a:t>setTimeout(</a:t>
-            </a:r>
-            <a:r>
-              <a:rPr lang="en-US" dirty="0">
-                <a:solidFill>
-                  <a:srgbClr val="569CD6"/>
-                </a:solidFill>
-                <a:latin typeface="Consolas" panose="020B0609020204030204" pitchFamily="49" charset="0"/>
-              </a:rPr>
-              <a:t>function</a:t>
-            </a:r>
-            <a:r>
-              <a:rPr lang="en-US" dirty="0">
-                <a:solidFill>
-                  <a:srgbClr val="D4D4D4"/>
-                </a:solidFill>
-                <a:latin typeface="Consolas" panose="020B0609020204030204" pitchFamily="49" charset="0"/>
-              </a:rPr>
-              <a:t>()</a:t>
-            </a:r>
-            <a:r>
-              <a:rPr lang="hu-HU" dirty="0">
-                <a:solidFill>
-                  <a:srgbClr val="D4D4D4"/>
-                </a:solidFill>
-                <a:latin typeface="Consolas" panose="020B0609020204030204" pitchFamily="49" charset="0"/>
-              </a:rPr>
-              <a:t> {...}); </a:t>
-            </a:r>
-            <a:r>
-              <a:rPr lang="hu-HU" dirty="0">
+              <a:t>// </a:t>
+            </a:r>
+            <a:r>
+              <a:rPr lang="hu-HU" dirty="0" err="1">
                 <a:solidFill>
                   <a:srgbClr val="BAD49C"/>
                 </a:solidFill>
                 <a:latin typeface="Consolas" panose="020B0609020204030204" pitchFamily="49" charset="0"/>
               </a:rPr>
-              <a:t>// </a:t>
-            </a:r>
-            <a:r>
-              <a:rPr lang="en-US" dirty="0">
-                <a:solidFill>
-                  <a:srgbClr val="BAD49C"/>
-                </a:solidFill>
-                <a:latin typeface="Consolas" panose="020B0609020204030204" pitchFamily="49" charset="0"/>
-              </a:rPr>
-              <a:t>callback</a:t>
+              <a:t>arrow</a:t>
             </a:r>
             <a:endParaRPr lang="hu-HU" dirty="0">
               <a:solidFill>
@@ -41460,13 +40824,40 @@
           <a:p>
             <a:pPr marL="857250" lvl="1" indent="-171450"/>
             <a:r>
+              <a:rPr lang="hu-HU" dirty="0" err="1">
+                <a:solidFill>
+                  <a:srgbClr val="D4D4D4"/>
+                </a:solidFill>
+                <a:latin typeface="Consolas" panose="020B0609020204030204" pitchFamily="49" charset="0"/>
+              </a:rPr>
+              <a:t>setTimeout</a:t>
+            </a:r>
+            <a:r>
+              <a:rPr lang="hu-HU" dirty="0">
+                <a:solidFill>
+                  <a:srgbClr val="D4D4D4"/>
+                </a:solidFill>
+                <a:latin typeface="Consolas" panose="020B0609020204030204" pitchFamily="49" charset="0"/>
+              </a:rPr>
+              <a:t>(</a:t>
+            </a:r>
+            <a:r>
               <a:rPr lang="en-US" dirty="0">
                 <a:solidFill>
+                  <a:srgbClr val="569CD6"/>
+                </a:solidFill>
+                <a:latin typeface="Consolas" panose="020B0609020204030204" pitchFamily="49" charset="0"/>
+              </a:rPr>
+              <a:t>function</a:t>
+            </a:r>
+            <a:r>
+              <a:rPr lang="en-US" dirty="0">
+                <a:solidFill>
                   <a:srgbClr val="D4D4D4"/>
                 </a:solidFill>
                 <a:latin typeface="Consolas" panose="020B0609020204030204" pitchFamily="49" charset="0"/>
               </a:rPr>
-              <a:t>(()</a:t>
+              <a:t>()</a:t>
             </a:r>
             <a:r>
               <a:rPr lang="hu-HU" dirty="0">
@@ -41475,70 +40866,25 @@
                 </a:solidFill>
                 <a:latin typeface="Consolas" panose="020B0609020204030204" pitchFamily="49" charset="0"/>
               </a:rPr>
-              <a:t> </a:t>
+              <a:t> {...}); </a:t>
+            </a:r>
+            <a:r>
+              <a:rPr lang="hu-HU" dirty="0">
+                <a:solidFill>
+                  <a:srgbClr val="BAD49C"/>
+                </a:solidFill>
+                <a:latin typeface="Consolas" panose="020B0609020204030204" pitchFamily="49" charset="0"/>
+              </a:rPr>
+              <a:t>// </a:t>
             </a:r>
             <a:r>
               <a:rPr lang="en-US" dirty="0">
                 <a:solidFill>
-                  <a:srgbClr val="569CD6"/>
-                </a:solidFill>
-                <a:latin typeface="Consolas" panose="020B0609020204030204" pitchFamily="49" charset="0"/>
-              </a:rPr>
-              <a:t>=&gt;</a:t>
-            </a:r>
-            <a:r>
-              <a:rPr lang="en-US" dirty="0">
-                <a:solidFill>
-                  <a:srgbClr val="D4D4D4"/>
-                </a:solidFill>
-                <a:latin typeface="Consolas" panose="020B0609020204030204" pitchFamily="49" charset="0"/>
-              </a:rPr>
-              <a:t> {</a:t>
-            </a:r>
-            <a:r>
-              <a:rPr lang="hu-HU" dirty="0">
-                <a:solidFill>
-                  <a:srgbClr val="D4D4D4"/>
-                </a:solidFill>
-                <a:latin typeface="Consolas" panose="020B0609020204030204" pitchFamily="49" charset="0"/>
-              </a:rPr>
-              <a:t>...</a:t>
-            </a:r>
-            <a:r>
-              <a:rPr lang="en-US" dirty="0">
-                <a:solidFill>
-                  <a:srgbClr val="D4D4D4"/>
-                </a:solidFill>
-                <a:latin typeface="Consolas" panose="020B0609020204030204" pitchFamily="49" charset="0"/>
-              </a:rPr>
-              <a:t>})()</a:t>
-            </a:r>
-            <a:r>
-              <a:rPr lang="hu-HU" dirty="0">
-                <a:solidFill>
-                  <a:srgbClr val="D4D4D4"/>
-                </a:solidFill>
-                <a:latin typeface="Consolas" panose="020B0609020204030204" pitchFamily="49" charset="0"/>
-              </a:rPr>
-              <a:t>; </a:t>
-            </a:r>
-            <a:r>
-              <a:rPr lang="hu-HU" dirty="0">
-                <a:solidFill>
                   <a:srgbClr val="BAD49C"/>
                 </a:solidFill>
                 <a:latin typeface="Consolas" panose="020B0609020204030204" pitchFamily="49" charset="0"/>
               </a:rPr>
-              <a:t>// </a:t>
-            </a:r>
-            <a:r>
-              <a:rPr lang="en-US" dirty="0">
-                <a:solidFill>
-                  <a:srgbClr val="BAD49C"/>
-                </a:solidFill>
-                <a:latin typeface="Consolas" panose="020B0609020204030204" pitchFamily="49" charset="0"/>
-              </a:rPr>
-              <a:t>IIFE</a:t>
+              <a:t>callback</a:t>
             </a:r>
             <a:endParaRPr lang="hu-HU" dirty="0">
               <a:solidFill>
@@ -41552,10 +40898,100 @@
             <a:r>
               <a:rPr lang="en-US" dirty="0">
                 <a:solidFill>
+                  <a:srgbClr val="D4D4D4"/>
+                </a:solidFill>
+                <a:latin typeface="Consolas" panose="020B0609020204030204" pitchFamily="49" charset="0"/>
+              </a:rPr>
+              <a:t>(()</a:t>
+            </a:r>
+            <a:r>
+              <a:rPr lang="hu-HU" dirty="0">
+                <a:solidFill>
+                  <a:srgbClr val="D4D4D4"/>
+                </a:solidFill>
+                <a:latin typeface="Consolas" panose="020B0609020204030204" pitchFamily="49" charset="0"/>
+              </a:rPr>
+              <a:t> </a:t>
+            </a:r>
+            <a:r>
+              <a:rPr lang="en-US" dirty="0">
+                <a:solidFill>
                   <a:srgbClr val="569CD6"/>
                 </a:solidFill>
                 <a:latin typeface="Consolas" panose="020B0609020204030204" pitchFamily="49" charset="0"/>
               </a:rPr>
+              <a:t>=&gt;</a:t>
+            </a:r>
+            <a:r>
+              <a:rPr lang="en-US" dirty="0">
+                <a:solidFill>
+                  <a:srgbClr val="D4D4D4"/>
+                </a:solidFill>
+                <a:latin typeface="Consolas" panose="020B0609020204030204" pitchFamily="49" charset="0"/>
+              </a:rPr>
+              <a:t> {</a:t>
+            </a:r>
+            <a:r>
+              <a:rPr lang="hu-HU" dirty="0">
+                <a:solidFill>
+                  <a:srgbClr val="D4D4D4"/>
+                </a:solidFill>
+                <a:latin typeface="Consolas" panose="020B0609020204030204" pitchFamily="49" charset="0"/>
+              </a:rPr>
+              <a:t>...</a:t>
+            </a:r>
+            <a:r>
+              <a:rPr lang="en-US" dirty="0">
+                <a:solidFill>
+                  <a:srgbClr val="D4D4D4"/>
+                </a:solidFill>
+                <a:latin typeface="Consolas" panose="020B0609020204030204" pitchFamily="49" charset="0"/>
+              </a:rPr>
+              <a:t>})()</a:t>
+            </a:r>
+            <a:r>
+              <a:rPr lang="hu-HU" dirty="0">
+                <a:solidFill>
+                  <a:srgbClr val="D4D4D4"/>
+                </a:solidFill>
+                <a:latin typeface="Consolas" panose="020B0609020204030204" pitchFamily="49" charset="0"/>
+              </a:rPr>
+              <a:t>; </a:t>
+            </a:r>
+            <a:r>
+              <a:rPr lang="hu-HU" dirty="0">
+                <a:solidFill>
+                  <a:srgbClr val="BAD49C"/>
+                </a:solidFill>
+                <a:latin typeface="Consolas" panose="020B0609020204030204" pitchFamily="49" charset="0"/>
+              </a:rPr>
+              <a:t>// </a:t>
+            </a:r>
+            <a:r>
+              <a:rPr lang="en-US" dirty="0">
+                <a:solidFill>
+                  <a:srgbClr val="BAD49C"/>
+                </a:solidFill>
+                <a:latin typeface="Consolas" panose="020B0609020204030204" pitchFamily="49" charset="0"/>
+              </a:rPr>
+              <a:t>IIFE</a:t>
+            </a:r>
+            <a:endParaRPr lang="hu-HU" dirty="0">
+              <a:solidFill>
+                <a:srgbClr val="BAD49C"/>
+              </a:solidFill>
+              <a:latin typeface="Consolas" panose="020B0609020204030204" pitchFamily="49" charset="0"/>
+            </a:endParaRPr>
+          </a:p>
+          <a:p>
+            <a:pPr marL="857250" lvl="1" indent="-171450"/>
+            <a:r>
+              <a:rPr lang="en-US" dirty="0" err="1">
+                <a:solidFill>
+                  <a:srgbClr val="569CD6"/>
+                </a:solidFill>
+                <a:latin typeface="Consolas" panose="020B0609020204030204" pitchFamily="49" charset="0"/>
+              </a:rPr>
               <a:t>const</a:t>
             </a:r>
             <a:r>
@@ -41565,7 +41001,43 @@
                 </a:solidFill>
                 <a:latin typeface="Consolas" panose="020B0609020204030204" pitchFamily="49" charset="0"/>
               </a:rPr>
-              <a:t> obj = { myFunction: </a:t>
+              <a:t> </a:t>
+            </a:r>
+            <a:r>
+              <a:rPr lang="hu-HU" dirty="0" err="1">
+                <a:solidFill>
+                  <a:srgbClr val="D4D4D4"/>
+                </a:solidFill>
+                <a:latin typeface="Consolas" panose="020B0609020204030204" pitchFamily="49" charset="0"/>
+              </a:rPr>
+              <a:t>obj</a:t>
+            </a:r>
+            <a:r>
+              <a:rPr lang="hu-HU" dirty="0">
+                <a:solidFill>
+                  <a:srgbClr val="D4D4D4"/>
+                </a:solidFill>
+                <a:latin typeface="Consolas" panose="020B0609020204030204" pitchFamily="49" charset="0"/>
+              </a:rPr>
+              <a:t> = { </a:t>
+            </a:r>
+            <a:r>
+              <a:rPr lang="hu-HU" dirty="0" err="1">
+                <a:solidFill>
+                  <a:srgbClr val="D4D4D4"/>
+                </a:solidFill>
+                <a:latin typeface="Consolas" panose="020B0609020204030204" pitchFamily="49" charset="0"/>
+              </a:rPr>
+              <a:t>myFunction</a:t>
+            </a:r>
+            <a:r>
+              <a:rPr lang="hu-HU" dirty="0">
+                <a:solidFill>
+                  <a:srgbClr val="D4D4D4"/>
+                </a:solidFill>
+                <a:latin typeface="Consolas" panose="020B0609020204030204" pitchFamily="49" charset="0"/>
+              </a:rPr>
+              <a:t>: </a:t>
             </a:r>
             <a:r>
               <a:rPr lang="en-US" dirty="0">
@@ -41601,8 +41073,23 @@
                 </a:solidFill>
                 <a:latin typeface="Consolas" panose="020B0609020204030204" pitchFamily="49" charset="0"/>
               </a:rPr>
-              <a:t>//method</a:t>
-            </a:r>
+              <a:t>//</a:t>
+            </a:r>
+            <a:r>
+              <a:rPr lang="hu-HU" dirty="0" err="1">
+                <a:solidFill>
+                  <a:srgbClr val="BAD49C"/>
+                </a:solidFill>
+                <a:latin typeface="Consolas" panose="020B0609020204030204" pitchFamily="49" charset="0"/>
+              </a:rPr>
+              <a:t>method</a:t>
+            </a:r>
+            <a:endParaRPr lang="hu-HU" dirty="0">
+              <a:solidFill>
+                <a:srgbClr val="BAD49C"/>
+              </a:solidFill>
+              <a:latin typeface="Consolas" panose="020B0609020204030204" pitchFamily="49" charset="0"/>
+            </a:endParaRPr>
           </a:p>
           <a:p>
             <a:pPr marL="285750" indent="-285750">
@@ -41610,13 +41097,18 @@
               <a:buChar char="•"/>
             </a:pPr>
             <a:r>
-              <a:rPr lang="hu-HU" sz="1600" dirty="0">
+              <a:rPr lang="hu-HU" sz="1600" dirty="0" err="1">
                 <a:solidFill>
                   <a:schemeClr val="bg1"/>
                 </a:solidFill>
               </a:rPr>
               <a:t>Constructor</a:t>
             </a:r>
+            <a:endParaRPr lang="hu-HU" sz="1600" dirty="0">
+              <a:solidFill>
+                <a:schemeClr val="bg1"/>
+              </a:solidFill>
+            </a:endParaRPr>
           </a:p>
           <a:p>
             <a:pPr lvl="1" indent="0">
@@ -41626,7 +41118,7 @@
               <a:buNone/>
             </a:pPr>
             <a:r>
-              <a:rPr lang="en-US" dirty="0">
+              <a:rPr lang="en-US" dirty="0" err="1">
                 <a:solidFill>
                   <a:srgbClr val="569CD6"/>
                 </a:solidFill>
@@ -44736,12 +44228,8 @@
               <a:buChar char="•"/>
             </a:pPr>
             <a:r>
-              <a:rPr lang="en-US" dirty="0" err="1"/>
-              <a:t>Externel</a:t>
-            </a:r>
-            <a:r>
               <a:rPr lang="en-US" dirty="0"/>
-              <a:t> dependency</a:t>
+              <a:t>External dependency</a:t>
             </a:r>
           </a:p>
           <a:p>
@@ -44750,12 +44238,8 @@
               <a:buChar char="•"/>
             </a:pPr>
             <a:r>
-              <a:rPr lang="en-US" dirty="0" err="1"/>
-              <a:t>Unpredictible</a:t>
-            </a:r>
-            <a:r>
               <a:rPr lang="en-US" dirty="0"/>
-              <a:t> outcome</a:t>
+              <a:t>Unpredictable outcome</a:t>
             </a:r>
           </a:p>
           <a:p>
@@ -45722,12 +45206,6 @@
 </file>
 
 <file path=customXml/item1.xml><?xml version="1.0" encoding="utf-8"?>
-<p:properties xmlns:p="http://schemas.microsoft.com/office/2006/metadata/properties" xmlns:xsi="http://www.w3.org/2001/XMLSchema-instance" xmlns:pc="http://schemas.microsoft.com/office/infopath/2007/PartnerControls">
-  <documentManagement/>
-</p:properties>
-</file>
-
-<file path=customXml/item2.xml><?xml version="1.0" encoding="utf-8"?>
 <ct:contentTypeSchema xmlns:ct="http://schemas.microsoft.com/office/2006/metadata/contentType" xmlns:ma="http://schemas.microsoft.com/office/2006/metadata/properties/metaAttributes" ct:_="" ma:_="" ma:contentTypeName="Document" ma:contentTypeID="0x010100BA117DE914E1FC49A35D90CD8516D943" ma:contentTypeVersion="12" ma:contentTypeDescription="Create a new document." ma:contentTypeScope="" ma:versionID="e1f7c3316c007ddcbbfc786aee0f30b6">
   <xsd:schema xmlns:xsd="http://www.w3.org/2001/XMLSchema" xmlns:xs="http://www.w3.org/2001/XMLSchema" xmlns:p="http://schemas.microsoft.com/office/2006/metadata/properties" xmlns:ns2="58f349b0-675b-4c01-8ee6-14db8fa12501" xmlns:ns3="df44d29e-ce0d-48fd-88bf-98e6a958fd4b" targetNamespace="http://schemas.microsoft.com/office/2006/metadata/properties" ma:root="true" ma:fieldsID="ebdd3e3611f83f5edb1b485483198b2e" ns2:_="" ns3:_="">
     <xsd:import namespace="58f349b0-675b-4c01-8ee6-14db8fa12501"/>
@@ -45944,7 +45422,7 @@
 </ct:contentTypeSchema>
 </file>
 
-<file path=customXml/item3.xml><?xml version="1.0" encoding="utf-8"?>
+<file path=customXml/item2.xml><?xml version="1.0" encoding="utf-8"?>
 <?mso-contentType ?>
 <FormTemplates xmlns="http://schemas.microsoft.com/sharepoint/v3/contenttype/forms">
   <Display>DocumentLibraryForm</Display>
@@ -45953,16 +45431,13 @@
 </FormTemplates>
 </file>
 
-<file path=customXml/itemProps1.xml><?xml version="1.0" encoding="utf-8"?>
-<ds:datastoreItem xmlns:ds="http://schemas.openxmlformats.org/officeDocument/2006/customXml" ds:itemID="{412E3419-B313-4514-AD24-D56E1F80A63A}">
-  <ds:schemaRefs>
-    <ds:schemaRef ds:uri="http://schemas.microsoft.com/office/2006/metadata/properties"/>
-    <ds:schemaRef ds:uri="http://schemas.microsoft.com/office/infopath/2007/PartnerControls"/>
-  </ds:schemaRefs>
-</ds:datastoreItem>
+<file path=customXml/item3.xml><?xml version="1.0" encoding="utf-8"?>
+<p:properties xmlns:p="http://schemas.microsoft.com/office/2006/metadata/properties" xmlns:xsi="http://www.w3.org/2001/XMLSchema-instance" xmlns:pc="http://schemas.microsoft.com/office/infopath/2007/PartnerControls">
+  <documentManagement/>
+</p:properties>
 </file>
 
-<file path=customXml/itemProps2.xml><?xml version="1.0" encoding="utf-8"?>
+<file path=customXml/itemProps1.xml><?xml version="1.0" encoding="utf-8"?>
 <ds:datastoreItem xmlns:ds="http://schemas.openxmlformats.org/officeDocument/2006/customXml" ds:itemID="{545DB04F-7584-4690-B257-DA90A69356DD}">
   <ds:schemaRefs>
     <ds:schemaRef ds:uri="58f349b0-675b-4c01-8ee6-14db8fa12501"/>
@@ -45981,10 +45456,27 @@
 </ds:datastoreItem>
 </file>
 
-<file path=customXml/itemProps3.xml><?xml version="1.0" encoding="utf-8"?>
+<file path=customXml/itemProps2.xml><?xml version="1.0" encoding="utf-8"?>
 <ds:datastoreItem xmlns:ds="http://schemas.openxmlformats.org/officeDocument/2006/customXml" ds:itemID="{87CA341C-74C1-4577-8C96-EF2605DC526A}">
   <ds:schemaRefs>
     <ds:schemaRef ds:uri="http://schemas.microsoft.com/sharepoint/v3/contenttype/forms"/>
   </ds:schemaRefs>
 </ds:datastoreItem>
+</file>
+
+<file path=customXml/itemProps3.xml><?xml version="1.0" encoding="utf-8"?>
+<ds:datastoreItem xmlns:ds="http://schemas.openxmlformats.org/officeDocument/2006/customXml" ds:itemID="{412E3419-B313-4514-AD24-D56E1F80A63A}">
+  <ds:schemaRefs>
+    <ds:schemaRef ds:uri="http://schemas.microsoft.com/office/2006/documentManagement/types"/>
+    <ds:schemaRef ds:uri="http://schemas.microsoft.com/office/infopath/2007/PartnerControls"/>
+    <ds:schemaRef ds:uri="http://www.w3.org/XML/1998/namespace"/>
+    <ds:schemaRef ds:uri="http://schemas.openxmlformats.org/package/2006/metadata/core-properties"/>
+    <ds:schemaRef ds:uri="http://schemas.microsoft.com/office/2006/metadata/properties"/>
+    <ds:schemaRef ds:uri="58f349b0-675b-4c01-8ee6-14db8fa12501"/>
+    <ds:schemaRef ds:uri="http://purl.org/dc/elements/1.1/"/>
+    <ds:schemaRef ds:uri="df44d29e-ce0d-48fd-88bf-98e6a958fd4b"/>
+    <ds:schemaRef ds:uri="http://purl.org/dc/dcmitype/"/>
+    <ds:schemaRef ds:uri="http://purl.org/dc/terms/"/>
+  </ds:schemaRefs>
+</ds:datastoreItem>
 </file>